--- a/lessons/instrument_control/lesson1/lesson1.pptx
+++ b/lessons/instrument_control/lesson1/lesson1.pptx
@@ -107,6 +107,11 @@
       </a:defRPr>
     </a:lvl9pPr>
   </p:defaultTextStyle>
+  <p:extLst>
+    <p:ext uri="{EFAFB233-063F-42B5-8137-9DF3F51BA10A}">
+      <p15:sldGuideLst xmlns:p15="http://schemas.microsoft.com/office/powerpoint/2012/main"/>
+    </p:ext>
+  </p:extLst>
 </p:presentation>
 </file>
 
@@ -336,7 +341,7 @@
           <a:p>
             <a:fld id="{A6DF41ED-D6F1-4A66-8517-B46E4FBD4F30}" type="datetimeFigureOut">
               <a:rPr lang="en-US" smtClean="0"/>
-              <a:t>6/28/2024</a:t>
+              <a:t>7/18/2024</a:t>
             </a:fld>
             <a:endParaRPr lang="en-US"/>
           </a:p>
@@ -544,7 +549,7 @@
           <a:p>
             <a:fld id="{A6DF41ED-D6F1-4A66-8517-B46E4FBD4F30}" type="datetimeFigureOut">
               <a:rPr lang="en-US" smtClean="0"/>
-              <a:t>6/28/2024</a:t>
+              <a:t>7/18/2024</a:t>
             </a:fld>
             <a:endParaRPr lang="en-US"/>
           </a:p>
@@ -800,7 +805,7 @@
           <a:p>
             <a:fld id="{A6DF41ED-D6F1-4A66-8517-B46E4FBD4F30}" type="datetimeFigureOut">
               <a:rPr lang="en-US" smtClean="0"/>
-              <a:t>6/28/2024</a:t>
+              <a:t>7/18/2024</a:t>
             </a:fld>
             <a:endParaRPr lang="en-US"/>
           </a:p>
@@ -974,7 +979,7 @@
           <a:p>
             <a:fld id="{A6DF41ED-D6F1-4A66-8517-B46E4FBD4F30}" type="datetimeFigureOut">
               <a:rPr lang="en-US" smtClean="0"/>
-              <a:t>6/28/2024</a:t>
+              <a:t>7/18/2024</a:t>
             </a:fld>
             <a:endParaRPr lang="en-US"/>
           </a:p>
@@ -1317,7 +1322,7 @@
           <a:p>
             <a:fld id="{A6DF41ED-D6F1-4A66-8517-B46E4FBD4F30}" type="datetimeFigureOut">
               <a:rPr lang="en-US" smtClean="0"/>
-              <a:t>6/28/2024</a:t>
+              <a:t>7/18/2024</a:t>
             </a:fld>
             <a:endParaRPr lang="en-US"/>
           </a:p>
@@ -1592,7 +1597,7 @@
           <a:p>
             <a:fld id="{A6DF41ED-D6F1-4A66-8517-B46E4FBD4F30}" type="datetimeFigureOut">
               <a:rPr lang="en-US" smtClean="0"/>
-              <a:t>6/28/2024</a:t>
+              <a:t>7/18/2024</a:t>
             </a:fld>
             <a:endParaRPr lang="en-US"/>
           </a:p>
@@ -1971,7 +1976,7 @@
           <a:p>
             <a:fld id="{A6DF41ED-D6F1-4A66-8517-B46E4FBD4F30}" type="datetimeFigureOut">
               <a:rPr lang="en-US" smtClean="0"/>
-              <a:t>6/28/2024</a:t>
+              <a:t>7/18/2024</a:t>
             </a:fld>
             <a:endParaRPr lang="en-US"/>
           </a:p>
@@ -2089,7 +2094,7 @@
           <a:p>
             <a:fld id="{A6DF41ED-D6F1-4A66-8517-B46E4FBD4F30}" type="datetimeFigureOut">
               <a:rPr lang="en-US" smtClean="0"/>
-              <a:t>6/28/2024</a:t>
+              <a:t>7/18/2024</a:t>
             </a:fld>
             <a:endParaRPr lang="en-US"/>
           </a:p>
@@ -2260,7 +2265,7 @@
           <a:p>
             <a:fld id="{A6DF41ED-D6F1-4A66-8517-B46E4FBD4F30}" type="datetimeFigureOut">
               <a:rPr lang="en-US" smtClean="0"/>
-              <a:t>6/28/2024</a:t>
+              <a:t>7/18/2024</a:t>
             </a:fld>
             <a:endParaRPr lang="en-US"/>
           </a:p>
@@ -2614,7 +2619,7 @@
           <a:p>
             <a:fld id="{A6DF41ED-D6F1-4A66-8517-B46E4FBD4F30}" type="datetimeFigureOut">
               <a:rPr lang="en-US" smtClean="0"/>
-              <a:t>6/28/2024</a:t>
+              <a:t>7/18/2024</a:t>
             </a:fld>
             <a:endParaRPr lang="en-US"/>
           </a:p>
@@ -2996,7 +3001,7 @@
           <a:p>
             <a:fld id="{A6DF41ED-D6F1-4A66-8517-B46E4FBD4F30}" type="datetimeFigureOut">
               <a:rPr lang="en-US" smtClean="0"/>
-              <a:t>6/28/2024</a:t>
+              <a:t>7/18/2024</a:t>
             </a:fld>
             <a:endParaRPr lang="en-US"/>
           </a:p>
@@ -3283,7 +3288,7 @@
           <a:p>
             <a:fld id="{A6DF41ED-D6F1-4A66-8517-B46E4FBD4F30}" type="datetimeFigureOut">
               <a:rPr lang="en-US" smtClean="0"/>
-              <a:t>6/28/2024</a:t>
+              <a:t>7/18/2024</a:t>
             </a:fld>
             <a:endParaRPr lang="en-US"/>
           </a:p>
@@ -3960,8 +3965,13 @@
             </a:pPr>
             <a:r>
               <a:rPr lang="en-US" dirty="0"/>
-              <a:t>MATLAB: powerful math tools and analysis capability, some general code applicability </a:t>
-            </a:r>
+              <a:t>MATLAB: powerful math tools and analysis capability, some general </a:t>
+            </a:r>
+            <a:r>
+              <a:rPr lang="en-US" dirty="0" err="1"/>
+              <a:t>capabilites</a:t>
+            </a:r>
+            <a:endParaRPr lang="en-US" dirty="0"/>
           </a:p>
           <a:p>
             <a:pPr lvl="1">
@@ -3970,7 +3980,7 @@
             </a:pPr>
             <a:r>
               <a:rPr lang="en-US" dirty="0"/>
-              <a:t>LABVIEW: create graphic interfaces for controlling instruments, graphical coding interface </a:t>
+              <a:t>LABVIEW: create graphical interfaces for controlling instruments, graphical coding interface </a:t>
             </a:r>
           </a:p>
           <a:p>
@@ -4001,7 +4011,7 @@
             </a:pPr>
             <a:r>
               <a:rPr lang="en-US" dirty="0"/>
-              <a:t> Python can do all of this and more!</a:t>
+              <a:t> Python can do much of this and more!</a:t>
             </a:r>
           </a:p>
           <a:p>
@@ -4021,7 +4031,7 @@
             </a:pPr>
             <a:r>
               <a:rPr lang="en-US" dirty="0"/>
-              <a:t> Many people use Python for many different applications: you can easily find the answer to any question you have online</a:t>
+              <a:t> Many people use Python for many different applications: almost any question you have has already been answered online</a:t>
             </a:r>
           </a:p>
         </p:txBody>
@@ -4102,7 +4112,9 @@
         </p:nvSpPr>
         <p:spPr/>
         <p:txBody>
-          <a:bodyPr/>
+          <a:bodyPr>
+            <a:normAutofit/>
+          </a:bodyPr>
           <a:lstStyle/>
           <a:p>
             <a:pPr>
@@ -4111,7 +4123,7 @@
             </a:pPr>
             <a:r>
               <a:rPr lang="en-US" dirty="0"/>
-              <a:t> Nothing can substitute a full university course in Python: I would HIGHLY recommend taking one!</a:t>
+              <a:t> Nothing can substitute a full university course in Python</a:t>
             </a:r>
           </a:p>
           <a:p>
@@ -4121,7 +4133,7 @@
             </a:pPr>
             <a:r>
               <a:rPr lang="en-US" dirty="0"/>
-              <a:t> First week: very brief crash course on python</a:t>
+              <a:t> Mon/Tue: very brief crash course on python</a:t>
             </a:r>
           </a:p>
           <a:p>
@@ -4199,7 +4211,35 @@
             </a:pPr>
             <a:r>
               <a:rPr lang="en-US" dirty="0"/>
-              <a:t> Second week: Instrument control, DAQ, analysis </a:t>
+              <a:t> Wed/</a:t>
+            </a:r>
+            <a:r>
+              <a:rPr lang="en-US" dirty="0" err="1"/>
+              <a:t>Thur</a:t>
+            </a:r>
+            <a:r>
+              <a:rPr lang="en-US" dirty="0"/>
+              <a:t>/Fri</a:t>
+            </a:r>
+          </a:p>
+          <a:p>
+            <a:pPr lvl="1">
+              <a:buFont typeface="Wingdings" panose="05000000000000000000" pitchFamily="2" charset="2"/>
+              <a:buChar char="§"/>
+            </a:pPr>
+            <a:r>
+              <a:rPr lang="en-US" dirty="0"/>
+              <a:t>Sampling </a:t>
+            </a:r>
+          </a:p>
+          <a:p>
+            <a:pPr>
+              <a:buFont typeface="Wingdings" panose="05000000000000000000" pitchFamily="2" charset="2"/>
+              <a:buChar char="§"/>
+            </a:pPr>
+            <a:r>
+              <a:rPr lang="en-US" dirty="0"/>
+              <a:t>Second week: Instrument control, DAQ, analysis </a:t>
             </a:r>
           </a:p>
           <a:p>
@@ -4246,7 +4286,7 @@
           <p:cNvPr id="2" name="Title 1">
             <a:extLst>
               <a:ext uri="{FF2B5EF4-FFF2-40B4-BE49-F238E27FC236}">
-                <a16:creationId xmlns:a16="http://schemas.microsoft.com/office/drawing/2014/main" id="{BBD327DB-BF69-73C9-F6CD-B364C4C6F962}"/>
+                <a16:creationId xmlns:a16="http://schemas.microsoft.com/office/drawing/2014/main" id="{4BC27A95-F9F9-C9F1-2201-C360BF40000B}"/>
               </a:ext>
             </a:extLst>
           </p:cNvPr>
@@ -4264,7 +4304,7 @@
           <a:p>
             <a:r>
               <a:rPr lang="en-US" dirty="0"/>
-              <a:t>Data types</a:t>
+              <a:t>Getting started</a:t>
             </a:r>
           </a:p>
         </p:txBody>
@@ -4274,7 +4314,7 @@
           <p:cNvPr id="3" name="Content Placeholder 2">
             <a:extLst>
               <a:ext uri="{FF2B5EF4-FFF2-40B4-BE49-F238E27FC236}">
-                <a16:creationId xmlns:a16="http://schemas.microsoft.com/office/drawing/2014/main" id="{F6275F35-D028-3779-B164-8AA658101A93}"/>
+                <a16:creationId xmlns:a16="http://schemas.microsoft.com/office/drawing/2014/main" id="{DB24CEA2-7CA3-AA52-6CD0-6065448A4C56}"/>
               </a:ext>
             </a:extLst>
           </p:cNvPr>
@@ -4285,22 +4325,39 @@
             <p:ph idx="1"/>
           </p:nvPr>
         </p:nvSpPr>
-        <p:spPr/>
-        <p:txBody>
-          <a:bodyPr/>
-          <a:lstStyle/>
-          <a:p>
+        <p:spPr>
+          <a:xfrm>
+            <a:off x="1097280" y="2335591"/>
+            <a:ext cx="10058400" cy="1852687"/>
+          </a:xfrm>
+        </p:spPr>
+        <p:txBody>
+          <a:bodyPr/>
+          <a:lstStyle/>
+          <a:p>
+            <a:pPr>
+              <a:lnSpc>
+                <a:spcPct val="200000"/>
+              </a:lnSpc>
+              <a:buFont typeface="Wingdings" panose="05000000000000000000" pitchFamily="2" charset="2"/>
+              <a:buChar char="§"/>
+            </a:pPr>
             <a:r>
               <a:rPr lang="en-US" dirty="0"/>
-              <a:t>Open a new </a:t>
-            </a:r>
-            <a:r>
-              <a:rPr lang="en-US" dirty="0" err="1"/>
-              <a:t>Jupyter</a:t>
-            </a:r>
+              <a:t> Follow the instructions in the PDF we sent out to install Anaconda</a:t>
+            </a:r>
+          </a:p>
+          <a:p>
+            <a:pPr>
+              <a:lnSpc>
+                <a:spcPct val="200000"/>
+              </a:lnSpc>
+              <a:buFont typeface="Wingdings" panose="05000000000000000000" pitchFamily="2" charset="2"/>
+              <a:buChar char="§"/>
+            </a:pPr>
             <a:r>
               <a:rPr lang="en-US" dirty="0"/>
-              <a:t> notebook to start the data types tutorial</a:t>
+              <a:t>If you are done, start looking through the data types and data structures notebooks in lesson 1</a:t>
             </a:r>
           </a:p>
         </p:txBody>
@@ -4308,7 +4365,7 @@
     </p:spTree>
     <p:extLst>
       <p:ext uri="{BB962C8B-B14F-4D97-AF65-F5344CB8AC3E}">
-        <p14:creationId xmlns:p14="http://schemas.microsoft.com/office/powerpoint/2010/main" val="402567752"/>
+        <p14:creationId xmlns:p14="http://schemas.microsoft.com/office/powerpoint/2010/main" val="3102021118"/>
       </p:ext>
     </p:extLst>
   </p:cSld>

--- a/lessons/instrument_control/lesson1/lesson1.pptx
+++ b/lessons/instrument_control/lesson1/lesson1.pptx
@@ -341,7 +341,7 @@
           <a:p>
             <a:fld id="{A6DF41ED-D6F1-4A66-8517-B46E4FBD4F30}" type="datetimeFigureOut">
               <a:rPr lang="en-US" smtClean="0"/>
-              <a:t>7/18/2024</a:t>
+              <a:t>7/21/2024</a:t>
             </a:fld>
             <a:endParaRPr lang="en-US"/>
           </a:p>
@@ -549,7 +549,7 @@
           <a:p>
             <a:fld id="{A6DF41ED-D6F1-4A66-8517-B46E4FBD4F30}" type="datetimeFigureOut">
               <a:rPr lang="en-US" smtClean="0"/>
-              <a:t>7/18/2024</a:t>
+              <a:t>7/21/2024</a:t>
             </a:fld>
             <a:endParaRPr lang="en-US"/>
           </a:p>
@@ -805,7 +805,7 @@
           <a:p>
             <a:fld id="{A6DF41ED-D6F1-4A66-8517-B46E4FBD4F30}" type="datetimeFigureOut">
               <a:rPr lang="en-US" smtClean="0"/>
-              <a:t>7/18/2024</a:t>
+              <a:t>7/21/2024</a:t>
             </a:fld>
             <a:endParaRPr lang="en-US"/>
           </a:p>
@@ -979,7 +979,7 @@
           <a:p>
             <a:fld id="{A6DF41ED-D6F1-4A66-8517-B46E4FBD4F30}" type="datetimeFigureOut">
               <a:rPr lang="en-US" smtClean="0"/>
-              <a:t>7/18/2024</a:t>
+              <a:t>7/21/2024</a:t>
             </a:fld>
             <a:endParaRPr lang="en-US"/>
           </a:p>
@@ -1322,7 +1322,7 @@
           <a:p>
             <a:fld id="{A6DF41ED-D6F1-4A66-8517-B46E4FBD4F30}" type="datetimeFigureOut">
               <a:rPr lang="en-US" smtClean="0"/>
-              <a:t>7/18/2024</a:t>
+              <a:t>7/21/2024</a:t>
             </a:fld>
             <a:endParaRPr lang="en-US"/>
           </a:p>
@@ -1597,7 +1597,7 @@
           <a:p>
             <a:fld id="{A6DF41ED-D6F1-4A66-8517-B46E4FBD4F30}" type="datetimeFigureOut">
               <a:rPr lang="en-US" smtClean="0"/>
-              <a:t>7/18/2024</a:t>
+              <a:t>7/21/2024</a:t>
             </a:fld>
             <a:endParaRPr lang="en-US"/>
           </a:p>
@@ -1976,7 +1976,7 @@
           <a:p>
             <a:fld id="{A6DF41ED-D6F1-4A66-8517-B46E4FBD4F30}" type="datetimeFigureOut">
               <a:rPr lang="en-US" smtClean="0"/>
-              <a:t>7/18/2024</a:t>
+              <a:t>7/21/2024</a:t>
             </a:fld>
             <a:endParaRPr lang="en-US"/>
           </a:p>
@@ -2094,7 +2094,7 @@
           <a:p>
             <a:fld id="{A6DF41ED-D6F1-4A66-8517-B46E4FBD4F30}" type="datetimeFigureOut">
               <a:rPr lang="en-US" smtClean="0"/>
-              <a:t>7/18/2024</a:t>
+              <a:t>7/21/2024</a:t>
             </a:fld>
             <a:endParaRPr lang="en-US"/>
           </a:p>
@@ -2265,7 +2265,7 @@
           <a:p>
             <a:fld id="{A6DF41ED-D6F1-4A66-8517-B46E4FBD4F30}" type="datetimeFigureOut">
               <a:rPr lang="en-US" smtClean="0"/>
-              <a:t>7/18/2024</a:t>
+              <a:t>7/21/2024</a:t>
             </a:fld>
             <a:endParaRPr lang="en-US"/>
           </a:p>
@@ -2619,7 +2619,7 @@
           <a:p>
             <a:fld id="{A6DF41ED-D6F1-4A66-8517-B46E4FBD4F30}" type="datetimeFigureOut">
               <a:rPr lang="en-US" smtClean="0"/>
-              <a:t>7/18/2024</a:t>
+              <a:t>7/21/2024</a:t>
             </a:fld>
             <a:endParaRPr lang="en-US"/>
           </a:p>
@@ -3001,7 +3001,7 @@
           <a:p>
             <a:fld id="{A6DF41ED-D6F1-4A66-8517-B46E4FBD4F30}" type="datetimeFigureOut">
               <a:rPr lang="en-US" smtClean="0"/>
-              <a:t>7/18/2024</a:t>
+              <a:t>7/21/2024</a:t>
             </a:fld>
             <a:endParaRPr lang="en-US"/>
           </a:p>
@@ -3288,7 +3288,7 @@
           <a:p>
             <a:fld id="{A6DF41ED-D6F1-4A66-8517-B46E4FBD4F30}" type="datetimeFigureOut">
               <a:rPr lang="en-US" smtClean="0"/>
-              <a:t>7/18/2024</a:t>
+              <a:t>7/21/2024</a:t>
             </a:fld>
             <a:endParaRPr lang="en-US"/>
           </a:p>
@@ -3868,6 +3868,12 @@
               <a:t>Lesson 1</a:t>
             </a:r>
           </a:p>
+          <a:p>
+            <a:r>
+              <a:rPr lang="en-US" dirty="0"/>
+              <a:t>Logan Foote and Sam Condon</a:t>
+            </a:r>
+          </a:p>
         </p:txBody>
       </p:sp>
     </p:spTree>
@@ -4021,7 +4027,7 @@
             </a:pPr>
             <a:r>
               <a:rPr lang="en-US" dirty="0"/>
-              <a:t> Python is free! </a:t>
+              <a:t> Python is free</a:t>
             </a:r>
           </a:p>
           <a:p>
@@ -4229,7 +4235,7 @@
             </a:pPr>
             <a:r>
               <a:rPr lang="en-US" dirty="0"/>
-              <a:t>Sampling </a:t>
+              <a:t>Fourier transform properties and sampling </a:t>
             </a:r>
           </a:p>
           <a:p>
@@ -4239,7 +4245,7 @@
             </a:pPr>
             <a:r>
               <a:rPr lang="en-US" dirty="0"/>
-              <a:t>Second week: Instrument control, DAQ, analysis </a:t>
+              <a:t>Second week: Instrument control, DAQ, lab project with electronics</a:t>
             </a:r>
           </a:p>
           <a:p>
@@ -4328,36 +4334,149 @@
         <p:spPr>
           <a:xfrm>
             <a:off x="1097280" y="2335591"/>
-            <a:ext cx="10058400" cy="1852687"/>
+            <a:ext cx="10058400" cy="3743662"/>
           </a:xfrm>
         </p:spPr>
         <p:txBody>
-          <a:bodyPr/>
+          <a:bodyPr>
+            <a:normAutofit/>
+          </a:bodyPr>
           <a:lstStyle/>
           <a:p>
             <a:pPr>
               <a:lnSpc>
-                <a:spcPct val="200000"/>
+                <a:spcPct val="100000"/>
               </a:lnSpc>
               <a:buFont typeface="Wingdings" panose="05000000000000000000" pitchFamily="2" charset="2"/>
               <a:buChar char="§"/>
             </a:pPr>
             <a:r>
               <a:rPr lang="en-US" dirty="0"/>
-              <a:t> Follow the instructions in the PDF we sent out to install Anaconda</a:t>
+              <a:t> Follow the instructions in </a:t>
+            </a:r>
+            <a:r>
+              <a:rPr lang="en-US" dirty="0" err="1"/>
+              <a:t>sagi</a:t>
+            </a:r>
+            <a:r>
+              <a:rPr lang="en-US" dirty="0"/>
+              <a:t>/lessons/sagi_3s24_software_setup.pdf</a:t>
             </a:r>
           </a:p>
           <a:p>
             <a:pPr>
               <a:lnSpc>
-                <a:spcPct val="200000"/>
+                <a:spcPct val="100000"/>
               </a:lnSpc>
               <a:buFont typeface="Wingdings" panose="05000000000000000000" pitchFamily="2" charset="2"/>
               <a:buChar char="§"/>
             </a:pPr>
             <a:r>
               <a:rPr lang="en-US" dirty="0"/>
-              <a:t>If you are done, start looking through the data types and data structures notebooks in lesson 1</a:t>
+              <a:t> Throughout the week, you will need to pull updates from the SAGI repository</a:t>
+            </a:r>
+          </a:p>
+          <a:p>
+            <a:pPr lvl="1">
+              <a:lnSpc>
+                <a:spcPct val="100000"/>
+              </a:lnSpc>
+              <a:buFont typeface="Wingdings" panose="05000000000000000000" pitchFamily="2" charset="2"/>
+              <a:buChar char="§"/>
+            </a:pPr>
+            <a:r>
+              <a:rPr lang="en-US" dirty="0"/>
+              <a:t>Open the command line and navigate to the repository folder </a:t>
+            </a:r>
+          </a:p>
+          <a:p>
+            <a:pPr lvl="1">
+              <a:lnSpc>
+                <a:spcPct val="100000"/>
+              </a:lnSpc>
+              <a:buFont typeface="Wingdings" panose="05000000000000000000" pitchFamily="2" charset="2"/>
+              <a:buChar char="§"/>
+            </a:pPr>
+            <a:r>
+              <a:rPr lang="en-US" dirty="0"/>
+              <a:t>Use the ‘cd’ command to change directories </a:t>
+            </a:r>
+          </a:p>
+          <a:p>
+            <a:pPr lvl="1">
+              <a:lnSpc>
+                <a:spcPct val="100000"/>
+              </a:lnSpc>
+              <a:buFont typeface="Wingdings" panose="05000000000000000000" pitchFamily="2" charset="2"/>
+              <a:buChar char="§"/>
+            </a:pPr>
+            <a:r>
+              <a:rPr lang="en-US" dirty="0"/>
+              <a:t>Use the ‘ls’ command to list files and folders in the current directory</a:t>
+            </a:r>
+          </a:p>
+          <a:p>
+            <a:pPr lvl="1">
+              <a:lnSpc>
+                <a:spcPct val="100000"/>
+              </a:lnSpc>
+              <a:buFont typeface="Wingdings" panose="05000000000000000000" pitchFamily="2" charset="2"/>
+              <a:buChar char="§"/>
+            </a:pPr>
+            <a:r>
+              <a:rPr lang="en-US" dirty="0"/>
+              <a:t>Run ‘git fetch’ </a:t>
+            </a:r>
+          </a:p>
+          <a:p>
+            <a:pPr lvl="1">
+              <a:lnSpc>
+                <a:spcPct val="100000"/>
+              </a:lnSpc>
+              <a:buFont typeface="Wingdings" panose="05000000000000000000" pitchFamily="2" charset="2"/>
+              <a:buChar char="§"/>
+            </a:pPr>
+            <a:r>
+              <a:rPr lang="en-US" dirty="0"/>
+              <a:t>Run ‘git pull’ </a:t>
+            </a:r>
+          </a:p>
+          <a:p>
+            <a:pPr>
+              <a:lnSpc>
+                <a:spcPct val="100000"/>
+              </a:lnSpc>
+              <a:buFont typeface="Wingdings" panose="05000000000000000000" pitchFamily="2" charset="2"/>
+              <a:buChar char="§"/>
+            </a:pPr>
+            <a:r>
+              <a:rPr lang="en-US" dirty="0"/>
+              <a:t> If you are done, try opening a new </a:t>
+            </a:r>
+            <a:r>
+              <a:rPr lang="en-US" dirty="0" err="1"/>
+              <a:t>Jupyter</a:t>
+            </a:r>
+            <a:r>
+              <a:rPr lang="en-US" dirty="0"/>
+              <a:t> notebook and running</a:t>
+            </a:r>
+            <a:r>
+              <a:rPr lang="en-US" i="1" dirty="0"/>
+              <a:t> print(‘Hello world’)</a:t>
+            </a:r>
+          </a:p>
+          <a:p>
+            <a:pPr>
+              <a:lnSpc>
+                <a:spcPct val="100000"/>
+              </a:lnSpc>
+              <a:buFont typeface="Wingdings" panose="05000000000000000000" pitchFamily="2" charset="2"/>
+              <a:buChar char="§"/>
+            </a:pPr>
+            <a:r>
+              <a:rPr lang="en-US" dirty="0"/>
+              <a:t> If you are done, start looking through the data types and data structures notebooks in lesson 1</a:t>
             </a:r>
           </a:p>
         </p:txBody>

--- a/lessons/instrument_control/lesson1/lesson1.pptx
+++ b/lessons/instrument_control/lesson1/lesson1.pptx
@@ -7,8 +7,9 @@
   <p:sldIdLst>
     <p:sldId id="256" r:id="rId2"/>
     <p:sldId id="257" r:id="rId3"/>
-    <p:sldId id="258" r:id="rId4"/>
-    <p:sldId id="259" r:id="rId5"/>
+    <p:sldId id="261" r:id="rId4"/>
+    <p:sldId id="258" r:id="rId5"/>
+    <p:sldId id="259" r:id="rId6"/>
   </p:sldIdLst>
   <p:sldSz cx="12192000" cy="6858000"/>
   <p:notesSz cx="6858000" cy="9144000"/>
@@ -341,7 +342,7 @@
           <a:p>
             <a:fld id="{A6DF41ED-D6F1-4A66-8517-B46E4FBD4F30}" type="datetimeFigureOut">
               <a:rPr lang="en-US" smtClean="0"/>
-              <a:t>7/21/2024</a:t>
+              <a:t>7/22/2024</a:t>
             </a:fld>
             <a:endParaRPr lang="en-US"/>
           </a:p>
@@ -549,7 +550,7 @@
           <a:p>
             <a:fld id="{A6DF41ED-D6F1-4A66-8517-B46E4FBD4F30}" type="datetimeFigureOut">
               <a:rPr lang="en-US" smtClean="0"/>
-              <a:t>7/21/2024</a:t>
+              <a:t>7/22/2024</a:t>
             </a:fld>
             <a:endParaRPr lang="en-US"/>
           </a:p>
@@ -805,7 +806,7 @@
           <a:p>
             <a:fld id="{A6DF41ED-D6F1-4A66-8517-B46E4FBD4F30}" type="datetimeFigureOut">
               <a:rPr lang="en-US" smtClean="0"/>
-              <a:t>7/21/2024</a:t>
+              <a:t>7/22/2024</a:t>
             </a:fld>
             <a:endParaRPr lang="en-US"/>
           </a:p>
@@ -979,7 +980,7 @@
           <a:p>
             <a:fld id="{A6DF41ED-D6F1-4A66-8517-B46E4FBD4F30}" type="datetimeFigureOut">
               <a:rPr lang="en-US" smtClean="0"/>
-              <a:t>7/21/2024</a:t>
+              <a:t>7/22/2024</a:t>
             </a:fld>
             <a:endParaRPr lang="en-US"/>
           </a:p>
@@ -1322,7 +1323,7 @@
           <a:p>
             <a:fld id="{A6DF41ED-D6F1-4A66-8517-B46E4FBD4F30}" type="datetimeFigureOut">
               <a:rPr lang="en-US" smtClean="0"/>
-              <a:t>7/21/2024</a:t>
+              <a:t>7/22/2024</a:t>
             </a:fld>
             <a:endParaRPr lang="en-US"/>
           </a:p>
@@ -1597,7 +1598,7 @@
           <a:p>
             <a:fld id="{A6DF41ED-D6F1-4A66-8517-B46E4FBD4F30}" type="datetimeFigureOut">
               <a:rPr lang="en-US" smtClean="0"/>
-              <a:t>7/21/2024</a:t>
+              <a:t>7/22/2024</a:t>
             </a:fld>
             <a:endParaRPr lang="en-US"/>
           </a:p>
@@ -1976,7 +1977,7 @@
           <a:p>
             <a:fld id="{A6DF41ED-D6F1-4A66-8517-B46E4FBD4F30}" type="datetimeFigureOut">
               <a:rPr lang="en-US" smtClean="0"/>
-              <a:t>7/21/2024</a:t>
+              <a:t>7/22/2024</a:t>
             </a:fld>
             <a:endParaRPr lang="en-US"/>
           </a:p>
@@ -2094,7 +2095,7 @@
           <a:p>
             <a:fld id="{A6DF41ED-D6F1-4A66-8517-B46E4FBD4F30}" type="datetimeFigureOut">
               <a:rPr lang="en-US" smtClean="0"/>
-              <a:t>7/21/2024</a:t>
+              <a:t>7/22/2024</a:t>
             </a:fld>
             <a:endParaRPr lang="en-US"/>
           </a:p>
@@ -2265,7 +2266,7 @@
           <a:p>
             <a:fld id="{A6DF41ED-D6F1-4A66-8517-B46E4FBD4F30}" type="datetimeFigureOut">
               <a:rPr lang="en-US" smtClean="0"/>
-              <a:t>7/21/2024</a:t>
+              <a:t>7/22/2024</a:t>
             </a:fld>
             <a:endParaRPr lang="en-US"/>
           </a:p>
@@ -2619,7 +2620,7 @@
           <a:p>
             <a:fld id="{A6DF41ED-D6F1-4A66-8517-B46E4FBD4F30}" type="datetimeFigureOut">
               <a:rPr lang="en-US" smtClean="0"/>
-              <a:t>7/21/2024</a:t>
+              <a:t>7/22/2024</a:t>
             </a:fld>
             <a:endParaRPr lang="en-US"/>
           </a:p>
@@ -3001,7 +3002,7 @@
           <a:p>
             <a:fld id="{A6DF41ED-D6F1-4A66-8517-B46E4FBD4F30}" type="datetimeFigureOut">
               <a:rPr lang="en-US" smtClean="0"/>
-              <a:t>7/21/2024</a:t>
+              <a:t>7/22/2024</a:t>
             </a:fld>
             <a:endParaRPr lang="en-US"/>
           </a:p>
@@ -3288,7 +3289,7 @@
           <a:p>
             <a:fld id="{A6DF41ED-D6F1-4A66-8517-B46E4FBD4F30}" type="datetimeFigureOut">
               <a:rPr lang="en-US" smtClean="0"/>
-              <a:t>7/21/2024</a:t>
+              <a:t>7/22/2024</a:t>
             </a:fld>
             <a:endParaRPr lang="en-US"/>
           </a:p>
@@ -4077,7 +4078,7 @@
           <p:cNvPr id="2" name="Title 1">
             <a:extLst>
               <a:ext uri="{FF2B5EF4-FFF2-40B4-BE49-F238E27FC236}">
-                <a16:creationId xmlns:a16="http://schemas.microsoft.com/office/drawing/2014/main" id="{BA7321B8-B135-28F2-BCF0-40634D46CDE4}"/>
+                <a16:creationId xmlns:a16="http://schemas.microsoft.com/office/drawing/2014/main" id="{0471C73E-74BA-8BE6-615D-646766F1F153}"/>
               </a:ext>
             </a:extLst>
           </p:cNvPr>
@@ -4095,7 +4096,7 @@
           <a:p>
             <a:r>
               <a:rPr lang="en-US" dirty="0"/>
-              <a:t>Python course outline</a:t>
+              <a:t>You will learn</a:t>
             </a:r>
           </a:p>
         </p:txBody>
@@ -4105,7 +4106,7 @@
           <p:cNvPr id="3" name="Content Placeholder 2">
             <a:extLst>
               <a:ext uri="{FF2B5EF4-FFF2-40B4-BE49-F238E27FC236}">
-                <a16:creationId xmlns:a16="http://schemas.microsoft.com/office/drawing/2014/main" id="{A320352B-523F-30EF-F0AD-7E69432229D1}"/>
+                <a16:creationId xmlns:a16="http://schemas.microsoft.com/office/drawing/2014/main" id="{4EACBC4D-34FA-3B3A-CA09-A3C7C569F480}"/>
               </a:ext>
             </a:extLst>
           </p:cNvPr>
@@ -4128,8 +4129,8 @@
               <a:buChar char="§"/>
             </a:pPr>
             <a:r>
-              <a:rPr lang="en-US" dirty="0"/>
-              <a:t> Nothing can substitute a full university course in Python</a:t>
+              <a:rPr lang="en-US" sz="3600" dirty="0"/>
+              <a:t> Python basics </a:t>
             </a:r>
           </a:p>
           <a:p>
@@ -4138,76 +4139,8 @@
               <a:buChar char="§"/>
             </a:pPr>
             <a:r>
-              <a:rPr lang="en-US" dirty="0"/>
-              <a:t> Mon/Tue: very brief crash course on python</a:t>
-            </a:r>
-          </a:p>
-          <a:p>
-            <a:pPr lvl="1">
-              <a:buFont typeface="Wingdings" panose="05000000000000000000" pitchFamily="2" charset="2"/>
-              <a:buChar char="§"/>
-            </a:pPr>
-            <a:r>
-              <a:rPr lang="en-US" dirty="0"/>
-              <a:t>Setting up Python (and Anaconda/</a:t>
-            </a:r>
-            <a:r>
-              <a:rPr lang="en-US" dirty="0" err="1"/>
-              <a:t>Jupyter</a:t>
-            </a:r>
-            <a:r>
-              <a:rPr lang="en-US" dirty="0"/>
-              <a:t>)</a:t>
-            </a:r>
-          </a:p>
-          <a:p>
-            <a:pPr lvl="1">
-              <a:buFont typeface="Wingdings" panose="05000000000000000000" pitchFamily="2" charset="2"/>
-              <a:buChar char="§"/>
-            </a:pPr>
-            <a:r>
-              <a:rPr lang="en-US" dirty="0"/>
-              <a:t>Data types, variables, data structures </a:t>
-            </a:r>
-          </a:p>
-          <a:p>
-            <a:pPr lvl="1">
-              <a:buFont typeface="Wingdings" panose="05000000000000000000" pitchFamily="2" charset="2"/>
-              <a:buChar char="§"/>
-            </a:pPr>
-            <a:r>
-              <a:rPr lang="en-US" dirty="0"/>
-              <a:t>Control flow</a:t>
-            </a:r>
-          </a:p>
-          <a:p>
-            <a:pPr lvl="1">
-              <a:buFont typeface="Wingdings" panose="05000000000000000000" pitchFamily="2" charset="2"/>
-              <a:buChar char="§"/>
-            </a:pPr>
-            <a:r>
-              <a:rPr lang="en-US" dirty="0"/>
-              <a:t>Functions</a:t>
-            </a:r>
-          </a:p>
-          <a:p>
-            <a:pPr lvl="1">
-              <a:buFont typeface="Wingdings" panose="05000000000000000000" pitchFamily="2" charset="2"/>
-              <a:buChar char="§"/>
-            </a:pPr>
-            <a:r>
-              <a:rPr lang="en-US" dirty="0"/>
-              <a:t>Modules/packages </a:t>
-            </a:r>
-          </a:p>
-          <a:p>
-            <a:pPr lvl="1">
-              <a:buFont typeface="Wingdings" panose="05000000000000000000" pitchFamily="2" charset="2"/>
-              <a:buChar char="§"/>
-            </a:pPr>
-            <a:r>
-              <a:rPr lang="en-US" dirty="0"/>
-              <a:t>Comments/documentation </a:t>
+              <a:rPr lang="en-US" sz="3600" dirty="0"/>
+              <a:t> Connecting to instruments </a:t>
             </a:r>
           </a:p>
           <a:p>
@@ -4216,26 +4149,8 @@
               <a:buChar char="§"/>
             </a:pPr>
             <a:r>
-              <a:rPr lang="en-US" dirty="0"/>
-              <a:t> Wed/</a:t>
-            </a:r>
-            <a:r>
-              <a:rPr lang="en-US" dirty="0" err="1"/>
-              <a:t>Thur</a:t>
-            </a:r>
-            <a:r>
-              <a:rPr lang="en-US" dirty="0"/>
-              <a:t>/Fri</a:t>
-            </a:r>
-          </a:p>
-          <a:p>
-            <a:pPr lvl="1">
-              <a:buFont typeface="Wingdings" panose="05000000000000000000" pitchFamily="2" charset="2"/>
-              <a:buChar char="§"/>
-            </a:pPr>
-            <a:r>
-              <a:rPr lang="en-US" dirty="0"/>
-              <a:t>Fourier transform properties and sampling </a:t>
+              <a:rPr lang="en-US" sz="3600" dirty="0"/>
+              <a:t> Performing measurements and saving data </a:t>
             </a:r>
           </a:p>
           <a:p>
@@ -4244,23 +4159,36 @@
               <a:buChar char="§"/>
             </a:pPr>
             <a:r>
-              <a:rPr lang="en-US" dirty="0"/>
-              <a:t>Second week: Instrument control, DAQ, lab project with electronics</a:t>
-            </a:r>
-          </a:p>
-          <a:p>
-            <a:pPr lvl="1">
+              <a:rPr lang="en-US" sz="3600" dirty="0"/>
+              <a:t> Importing and analyzing data </a:t>
+            </a:r>
+          </a:p>
+          <a:p>
+            <a:pPr>
               <a:buFont typeface="Wingdings" panose="05000000000000000000" pitchFamily="2" charset="2"/>
               <a:buChar char="§"/>
             </a:pPr>
-            <a:endParaRPr lang="en-US" dirty="0"/>
+            <a:r>
+              <a:rPr lang="en-US" sz="3600" dirty="0"/>
+              <a:t> Fourier transforms and sampling </a:t>
+            </a:r>
+          </a:p>
+          <a:p>
+            <a:pPr>
+              <a:buFont typeface="Wingdings" panose="05000000000000000000" pitchFamily="2" charset="2"/>
+              <a:buChar char="§"/>
+            </a:pPr>
+            <a:r>
+              <a:rPr lang="en-US" sz="3600" dirty="0"/>
+              <a:t> Data visualization and plotting </a:t>
+            </a:r>
           </a:p>
         </p:txBody>
       </p:sp>
     </p:spTree>
     <p:extLst>
       <p:ext uri="{BB962C8B-B14F-4D97-AF65-F5344CB8AC3E}">
-        <p14:creationId xmlns:p14="http://schemas.microsoft.com/office/powerpoint/2010/main" val="3892307659"/>
+        <p14:creationId xmlns:p14="http://schemas.microsoft.com/office/powerpoint/2010/main" val="1949114621"/>
       </p:ext>
     </p:extLst>
   </p:cSld>
@@ -4292,6 +4220,182 @@
           <p:cNvPr id="2" name="Title 1">
             <a:extLst>
               <a:ext uri="{FF2B5EF4-FFF2-40B4-BE49-F238E27FC236}">
+                <a16:creationId xmlns:a16="http://schemas.microsoft.com/office/drawing/2014/main" id="{BA7321B8-B135-28F2-BCF0-40634D46CDE4}"/>
+              </a:ext>
+            </a:extLst>
+          </p:cNvPr>
+          <p:cNvSpPr>
+            <a:spLocks noGrp="1"/>
+          </p:cNvSpPr>
+          <p:nvPr>
+            <p:ph type="title"/>
+          </p:nvPr>
+        </p:nvSpPr>
+        <p:spPr/>
+        <p:txBody>
+          <a:bodyPr/>
+          <a:lstStyle/>
+          <a:p>
+            <a:r>
+              <a:rPr lang="en-US" dirty="0"/>
+              <a:t>IC/DAQ outline</a:t>
+            </a:r>
+          </a:p>
+        </p:txBody>
+      </p:sp>
+      <p:sp>
+        <p:nvSpPr>
+          <p:cNvPr id="3" name="Content Placeholder 2">
+            <a:extLst>
+              <a:ext uri="{FF2B5EF4-FFF2-40B4-BE49-F238E27FC236}">
+                <a16:creationId xmlns:a16="http://schemas.microsoft.com/office/drawing/2014/main" id="{A320352B-523F-30EF-F0AD-7E69432229D1}"/>
+              </a:ext>
+            </a:extLst>
+          </p:cNvPr>
+          <p:cNvSpPr>
+            <a:spLocks noGrp="1"/>
+          </p:cNvSpPr>
+          <p:nvPr>
+            <p:ph idx="1"/>
+          </p:nvPr>
+        </p:nvSpPr>
+        <p:spPr/>
+        <p:txBody>
+          <a:bodyPr>
+            <a:normAutofit lnSpcReduction="10000"/>
+          </a:bodyPr>
+          <a:lstStyle/>
+          <a:p>
+            <a:pPr>
+              <a:lnSpc>
+                <a:spcPct val="150000"/>
+              </a:lnSpc>
+              <a:buFont typeface="Wingdings" panose="05000000000000000000" pitchFamily="2" charset="2"/>
+              <a:buChar char="§"/>
+            </a:pPr>
+            <a:r>
+              <a:rPr lang="en-US" sz="2800" dirty="0"/>
+              <a:t>First week</a:t>
+            </a:r>
+          </a:p>
+          <a:p>
+            <a:pPr lvl="1">
+              <a:lnSpc>
+                <a:spcPct val="150000"/>
+              </a:lnSpc>
+              <a:buFont typeface="Wingdings" panose="05000000000000000000" pitchFamily="2" charset="2"/>
+              <a:buChar char="§"/>
+            </a:pPr>
+            <a:r>
+              <a:rPr lang="en-US" sz="2600" dirty="0"/>
+              <a:t>Mon/Tue:  brief crash course on python</a:t>
+            </a:r>
+          </a:p>
+          <a:p>
+            <a:pPr lvl="1">
+              <a:lnSpc>
+                <a:spcPct val="150000"/>
+              </a:lnSpc>
+              <a:buFont typeface="Wingdings" panose="05000000000000000000" pitchFamily="2" charset="2"/>
+              <a:buChar char="§"/>
+            </a:pPr>
+            <a:r>
+              <a:rPr lang="en-US" sz="2600" dirty="0"/>
+              <a:t>Wed/</a:t>
+            </a:r>
+            <a:r>
+              <a:rPr lang="en-US" sz="2600" dirty="0" err="1"/>
+              <a:t>Thur</a:t>
+            </a:r>
+            <a:r>
+              <a:rPr lang="en-US" sz="2600" dirty="0"/>
+              <a:t>/Fri: Fourier transform properties and sampling </a:t>
+            </a:r>
+          </a:p>
+          <a:p>
+            <a:pPr>
+              <a:lnSpc>
+                <a:spcPct val="150000"/>
+              </a:lnSpc>
+              <a:buFont typeface="Wingdings" panose="05000000000000000000" pitchFamily="2" charset="2"/>
+              <a:buChar char="§"/>
+            </a:pPr>
+            <a:r>
+              <a:rPr lang="en-US" sz="2800" dirty="0"/>
+              <a:t> Second week</a:t>
+            </a:r>
+          </a:p>
+          <a:p>
+            <a:pPr lvl="1">
+              <a:lnSpc>
+                <a:spcPct val="150000"/>
+              </a:lnSpc>
+              <a:buFont typeface="Wingdings" panose="05000000000000000000" pitchFamily="2" charset="2"/>
+              <a:buChar char="§"/>
+            </a:pPr>
+            <a:r>
+              <a:rPr lang="en-US" sz="2600" dirty="0"/>
+              <a:t>Mon/Tue: Instrument control, DAQ</a:t>
+            </a:r>
+          </a:p>
+          <a:p>
+            <a:pPr lvl="1">
+              <a:lnSpc>
+                <a:spcPct val="150000"/>
+              </a:lnSpc>
+              <a:buFont typeface="Wingdings" panose="05000000000000000000" pitchFamily="2" charset="2"/>
+              <a:buChar char="§"/>
+            </a:pPr>
+            <a:r>
+              <a:rPr lang="en-US" sz="2600" dirty="0"/>
+              <a:t>Wed/</a:t>
+            </a:r>
+            <a:r>
+              <a:rPr lang="en-US" sz="2600" dirty="0" err="1"/>
+              <a:t>Thur</a:t>
+            </a:r>
+            <a:r>
+              <a:rPr lang="en-US" sz="2600" dirty="0"/>
+              <a:t>: lab project (with electronics)</a:t>
+            </a:r>
+          </a:p>
+        </p:txBody>
+      </p:sp>
+    </p:spTree>
+    <p:extLst>
+      <p:ext uri="{BB962C8B-B14F-4D97-AF65-F5344CB8AC3E}">
+        <p14:creationId xmlns:p14="http://schemas.microsoft.com/office/powerpoint/2010/main" val="3892307659"/>
+      </p:ext>
+    </p:extLst>
+  </p:cSld>
+  <p:clrMapOvr>
+    <a:masterClrMapping/>
+  </p:clrMapOvr>
+</p:sld>
+</file>
+
+<file path=ppt/slides/slide5.xml><?xml version="1.0" encoding="utf-8"?>
+<p:sld xmlns:a="http://schemas.openxmlformats.org/drawingml/2006/main" xmlns:r="http://schemas.openxmlformats.org/officeDocument/2006/relationships" xmlns:p="http://schemas.openxmlformats.org/presentationml/2006/main">
+  <p:cSld>
+    <p:spTree>
+      <p:nvGrpSpPr>
+        <p:cNvPr id="1" name=""/>
+        <p:cNvGrpSpPr/>
+        <p:nvPr/>
+      </p:nvGrpSpPr>
+      <p:grpSpPr>
+        <a:xfrm>
+          <a:off x="0" y="0"/>
+          <a:ext cx="0" cy="0"/>
+          <a:chOff x="0" y="0"/>
+          <a:chExt cx="0" cy="0"/>
+        </a:xfrm>
+      </p:grpSpPr>
+      <p:sp>
+        <p:nvSpPr>
+          <p:cNvPr id="2" name="Title 1">
+            <a:extLst>
+              <a:ext uri="{FF2B5EF4-FFF2-40B4-BE49-F238E27FC236}">
                 <a16:creationId xmlns:a16="http://schemas.microsoft.com/office/drawing/2014/main" id="{4BC27A95-F9F9-C9F1-2201-C360BF40000B}"/>
               </a:ext>
             </a:extLst>
@@ -4333,7 +4437,7 @@
         </p:nvSpPr>
         <p:spPr>
           <a:xfrm>
-            <a:off x="1097280" y="2335591"/>
+            <a:off x="1097280" y="2208591"/>
             <a:ext cx="10058400" cy="3743662"/>
           </a:xfrm>
         </p:spPr>

--- a/lessons/instrument_control/lesson1/lesson1.pptx
+++ b/lessons/instrument_control/lesson1/lesson1.pptx
@@ -4275,7 +4275,7 @@
             </a:pPr>
             <a:r>
               <a:rPr lang="en-US" sz="2800" dirty="0"/>
-              <a:t>First week</a:t>
+              <a:t> First week</a:t>
             </a:r>
           </a:p>
           <a:p>
@@ -4301,15 +4301,7 @@
             </a:pPr>
             <a:r>
               <a:rPr lang="en-US" sz="2600" dirty="0"/>
-              <a:t>Wed/</a:t>
-            </a:r>
-            <a:r>
-              <a:rPr lang="en-US" sz="2600" dirty="0" err="1"/>
-              <a:t>Thur</a:t>
-            </a:r>
-            <a:r>
-              <a:rPr lang="en-US" sz="2600" dirty="0"/>
-              <a:t>/Fri: Fourier transform properties and sampling </a:t>
+              <a:t>Wed/Thu/Fri: Fourier transform properties and sampling </a:t>
             </a:r>
           </a:p>
           <a:p>
@@ -4348,15 +4340,7 @@
             </a:pPr>
             <a:r>
               <a:rPr lang="en-US" sz="2600" dirty="0"/>
-              <a:t>Wed/</a:t>
-            </a:r>
-            <a:r>
-              <a:rPr lang="en-US" sz="2600" dirty="0" err="1"/>
-              <a:t>Thur</a:t>
-            </a:r>
-            <a:r>
-              <a:rPr lang="en-US" sz="2600" dirty="0"/>
-              <a:t>: lab project (with electronics)</a:t>
+              <a:t>Wed/Thu: lab project (with electronics)</a:t>
             </a:r>
           </a:p>
         </p:txBody>

--- a/lessons/instrument_control/lesson1/lesson1.pptx
+++ b/lessons/instrument_control/lesson1/lesson1.pptx
@@ -4275,7 +4275,7 @@
             </a:pPr>
             <a:r>
               <a:rPr lang="en-US" sz="2800" dirty="0"/>
-              <a:t> First week</a:t>
+              <a:t>First week</a:t>
             </a:r>
           </a:p>
           <a:p>
@@ -4301,7 +4301,15 @@
             </a:pPr>
             <a:r>
               <a:rPr lang="en-US" sz="2600" dirty="0"/>
-              <a:t>Wed/Thu/Fri: Fourier transform properties and sampling </a:t>
+              <a:t>Wed/</a:t>
+            </a:r>
+            <a:r>
+              <a:rPr lang="en-US" sz="2600" dirty="0" err="1"/>
+              <a:t>Thur</a:t>
+            </a:r>
+            <a:r>
+              <a:rPr lang="en-US" sz="2600" dirty="0"/>
+              <a:t>/Fri: Fourier transform properties and sampling </a:t>
             </a:r>
           </a:p>
           <a:p>
@@ -4340,7 +4348,15 @@
             </a:pPr>
             <a:r>
               <a:rPr lang="en-US" sz="2600" dirty="0"/>
-              <a:t>Wed/Thu: lab project (with electronics)</a:t>
+              <a:t>Wed/</a:t>
+            </a:r>
+            <a:r>
+              <a:rPr lang="en-US" sz="2600" dirty="0" err="1"/>
+              <a:t>Thur</a:t>
+            </a:r>
+            <a:r>
+              <a:rPr lang="en-US" sz="2600" dirty="0"/>
+              <a:t>: lab project (with electronics)</a:t>
             </a:r>
           </a:p>
         </p:txBody>
